--- a/NLP_PPT.pptx
+++ b/NLP_PPT.pptx
@@ -19,8 +19,8 @@
     <p:sldId id="263" r:id="rId10"/>
     <p:sldId id="264" r:id="rId11"/>
     <p:sldId id="266" r:id="rId12"/>
-    <p:sldId id="265" r:id="rId13"/>
-    <p:sldId id="278" r:id="rId14"/>
+    <p:sldId id="278" r:id="rId13"/>
+    <p:sldId id="265" r:id="rId14"/>
     <p:sldId id="270" r:id="rId15"/>
     <p:sldId id="269" r:id="rId16"/>
     <p:sldId id="268" r:id="rId17"/>
@@ -6260,7 +6260,7 @@
           <p:cNvPr id="2" name="Title 1">
             <a:extLst>
               <a:ext uri="{FF2B5EF4-FFF2-40B4-BE49-F238E27FC236}">
-                <a16:creationId xmlns:a16="http://schemas.microsoft.com/office/drawing/2014/main" id="{720016C7-0710-3344-A2EF-8DEAA61A451E}"/>
+                <a16:creationId xmlns:a16="http://schemas.microsoft.com/office/drawing/2014/main" id="{CB369F5F-6445-6C48-8164-71E84A30E63B}"/>
               </a:ext>
             </a:extLst>
           </p:cNvPr>
@@ -6273,14 +6273,12 @@
         </p:nvSpPr>
         <p:spPr/>
         <p:txBody>
-          <a:bodyPr>
-            <a:normAutofit fontScale="90000"/>
-          </a:bodyPr>
+          <a:bodyPr/>
           <a:lstStyle/>
           <a:p>
             <a:r>
               <a:rPr lang="en-US" dirty="0"/>
-              <a:t>Implementation of Machine Learning algorithms</a:t>
+              <a:t>Hyperparameter Tuning:</a:t>
             </a:r>
           </a:p>
         </p:txBody>
@@ -6290,7 +6288,7 @@
           <p:cNvPr id="3" name="Content Placeholder 2">
             <a:extLst>
               <a:ext uri="{FF2B5EF4-FFF2-40B4-BE49-F238E27FC236}">
-                <a16:creationId xmlns:a16="http://schemas.microsoft.com/office/drawing/2014/main" id="{B69A1044-0555-4644-B6C1-3D64CBB43874}"/>
+                <a16:creationId xmlns:a16="http://schemas.microsoft.com/office/drawing/2014/main" id="{843CEA75-6E9B-3F48-8840-A43FB76446B4}"/>
               </a:ext>
             </a:extLst>
           </p:cNvPr>
@@ -6310,8 +6308,19 @@
           <a:p>
             <a:r>
               <a:rPr lang="en-US" sz="2000" dirty="0"/>
-              <a:t>The created features are are given as inputs to various chosen Machine learning algorithms.</a:t>
-            </a:r>
+              <a:t>While training the model we have used Hyper parameter tuning on train, test and CV data to </a:t>
+            </a:r>
+            <a:r>
+              <a:rPr lang="en-CA" sz="2000" dirty="0"/>
+              <a:t>get the best parameters for the machine learning algorithms in order to achieve accurate prediction</a:t>
+            </a:r>
+            <a:r>
+              <a:rPr lang="en-US" sz="2000" dirty="0"/>
+              <a:t>.</a:t>
+            </a:r>
+          </a:p>
+          <a:p>
+            <a:endParaRPr lang="en-US" sz="2000" dirty="0"/>
           </a:p>
           <a:p>
             <a:pPr marL="0" indent="0">
@@ -6319,7 +6328,7 @@
             </a:pPr>
             <a:r>
               <a:rPr lang="en-US" sz="2000" b="1" i="1" dirty="0"/>
-              <a:t>Machine learning algorithms used:</a:t>
+              <a:t>Hyperparameter Tuning Technique used:</a:t>
             </a:r>
           </a:p>
           <a:p>
@@ -6327,40 +6336,17 @@
               <a:buNone/>
             </a:pPr>
             <a:r>
-              <a:rPr lang="en-US" sz="2000" b="1" i="1" dirty="0"/>
-              <a:t>	</a:t>
-            </a:r>
-            <a:r>
               <a:rPr lang="en-US" sz="2000" dirty="0"/>
-              <a:t>- 	Support Vector Machine (SVM)</a:t>
-            </a:r>
-          </a:p>
-          <a:p>
-            <a:pPr marL="0" indent="0">
-              <a:buNone/>
-            </a:pPr>
-            <a:r>
-              <a:rPr lang="en-US" sz="2000" dirty="0"/>
-              <a:t>	-	Random Forest</a:t>
-            </a:r>
-          </a:p>
-          <a:p>
-            <a:pPr marL="0" indent="0">
-              <a:buNone/>
-            </a:pPr>
-            <a:r>
-              <a:rPr lang="en-US" sz="2000" dirty="0"/>
-              <a:t>	-	Naïve Bayes</a:t>
-            </a:r>
-          </a:p>
-          <a:p>
-            <a:pPr marL="0" indent="0">
-              <a:buNone/>
-            </a:pPr>
-            <a:r>
-              <a:rPr lang="en-US" sz="2000" dirty="0"/>
-              <a:t>	-	AdaBoost</a:t>
-            </a:r>
+              <a:t>	-   </a:t>
+            </a:r>
+            <a:r>
+              <a:rPr lang="en-US" sz="2000" dirty="0" err="1"/>
+              <a:t>RandomizedSearchCV</a:t>
+            </a:r>
+            <a:endParaRPr lang="en-US" sz="2000" dirty="0"/>
+          </a:p>
+          <a:p>
+            <a:endParaRPr lang="en-US" sz="2000" dirty="0"/>
           </a:p>
         </p:txBody>
       </p:sp>
@@ -6369,7 +6355,7 @@
           <p:cNvPr id="4" name="Slide Number Placeholder 3">
             <a:extLst>
               <a:ext uri="{FF2B5EF4-FFF2-40B4-BE49-F238E27FC236}">
-                <a16:creationId xmlns:a16="http://schemas.microsoft.com/office/drawing/2014/main" id="{7DBBA56B-A2BF-2743-9BE1-116F9664F31C}"/>
+                <a16:creationId xmlns:a16="http://schemas.microsoft.com/office/drawing/2014/main" id="{B093ECB9-C5AA-164A-AE1A-36AF4040EB24}"/>
               </a:ext>
             </a:extLst>
           </p:cNvPr>
@@ -6396,7 +6382,7 @@
     </p:spTree>
     <p:extLst>
       <p:ext uri="{BB962C8B-B14F-4D97-AF65-F5344CB8AC3E}">
-        <p14:creationId xmlns:p14="http://schemas.microsoft.com/office/powerpoint/2010/main" val="3089325319"/>
+        <p14:creationId xmlns:p14="http://schemas.microsoft.com/office/powerpoint/2010/main" val="4194515202"/>
       </p:ext>
     </p:extLst>
   </p:cSld>
@@ -6428,7 +6414,7 @@
           <p:cNvPr id="2" name="Title 1">
             <a:extLst>
               <a:ext uri="{FF2B5EF4-FFF2-40B4-BE49-F238E27FC236}">
-                <a16:creationId xmlns:a16="http://schemas.microsoft.com/office/drawing/2014/main" id="{CB369F5F-6445-6C48-8164-71E84A30E63B}"/>
+                <a16:creationId xmlns:a16="http://schemas.microsoft.com/office/drawing/2014/main" id="{720016C7-0710-3344-A2EF-8DEAA61A451E}"/>
               </a:ext>
             </a:extLst>
           </p:cNvPr>
@@ -6441,12 +6427,14 @@
         </p:nvSpPr>
         <p:spPr/>
         <p:txBody>
-          <a:bodyPr/>
+          <a:bodyPr>
+            <a:normAutofit fontScale="90000"/>
+          </a:bodyPr>
           <a:lstStyle/>
           <a:p>
             <a:r>
               <a:rPr lang="en-US" dirty="0"/>
-              <a:t>Hyperparameter Tuning:</a:t>
+              <a:t>Implementation of Machine Learning algorithms</a:t>
             </a:r>
           </a:p>
         </p:txBody>
@@ -6456,7 +6444,7 @@
           <p:cNvPr id="3" name="Content Placeholder 2">
             <a:extLst>
               <a:ext uri="{FF2B5EF4-FFF2-40B4-BE49-F238E27FC236}">
-                <a16:creationId xmlns:a16="http://schemas.microsoft.com/office/drawing/2014/main" id="{843CEA75-6E9B-3F48-8840-A43FB76446B4}"/>
+                <a16:creationId xmlns:a16="http://schemas.microsoft.com/office/drawing/2014/main" id="{B69A1044-0555-4644-B6C1-3D64CBB43874}"/>
               </a:ext>
             </a:extLst>
           </p:cNvPr>
@@ -6476,19 +6464,8 @@
           <a:p>
             <a:r>
               <a:rPr lang="en-US" sz="2000" dirty="0"/>
-              <a:t>While training the model we have used Hyper parameter tuning on train, test and CV data to </a:t>
-            </a:r>
-            <a:r>
-              <a:rPr lang="en-CA" sz="2000" dirty="0"/>
-              <a:t>get the best parameters for the machine learning algorithms in order to achieve accurate prediction</a:t>
-            </a:r>
-            <a:r>
-              <a:rPr lang="en-US" sz="2000" dirty="0"/>
-              <a:t>.</a:t>
-            </a:r>
-          </a:p>
-          <a:p>
-            <a:endParaRPr lang="en-US" sz="2000" dirty="0"/>
+              <a:t>The created features are are given as inputs to various chosen Machine learning algorithms.</a:t>
+            </a:r>
           </a:p>
           <a:p>
             <a:pPr marL="0" indent="0">
@@ -6496,7 +6473,7 @@
             </a:pPr>
             <a:r>
               <a:rPr lang="en-US" sz="2000" b="1" i="1" dirty="0"/>
-              <a:t>Hyperparameter Tuning Technique used:</a:t>
+              <a:t>Machine learning algorithms used:</a:t>
             </a:r>
           </a:p>
           <a:p>
@@ -6504,17 +6481,40 @@
               <a:buNone/>
             </a:pPr>
             <a:r>
+              <a:rPr lang="en-US" sz="2000" b="1" i="1" dirty="0"/>
+              <a:t>	</a:t>
+            </a:r>
+            <a:r>
               <a:rPr lang="en-US" sz="2000" dirty="0"/>
-              <a:t>	-   </a:t>
-            </a:r>
-            <a:r>
-              <a:rPr lang="en-US" sz="2000" dirty="0" err="1"/>
-              <a:t>RandomizedSearchCV</a:t>
-            </a:r>
-            <a:endParaRPr lang="en-US" sz="2000" dirty="0"/>
-          </a:p>
-          <a:p>
-            <a:endParaRPr lang="en-US" sz="2000" dirty="0"/>
+              <a:t>- 	Support Vector Machine (SVM)</a:t>
+            </a:r>
+          </a:p>
+          <a:p>
+            <a:pPr marL="0" indent="0">
+              <a:buNone/>
+            </a:pPr>
+            <a:r>
+              <a:rPr lang="en-US" sz="2000" dirty="0"/>
+              <a:t>	-	Random Forest</a:t>
+            </a:r>
+          </a:p>
+          <a:p>
+            <a:pPr marL="0" indent="0">
+              <a:buNone/>
+            </a:pPr>
+            <a:r>
+              <a:rPr lang="en-US" sz="2000" dirty="0"/>
+              <a:t>	-	Naïve Bayes</a:t>
+            </a:r>
+          </a:p>
+          <a:p>
+            <a:pPr marL="0" indent="0">
+              <a:buNone/>
+            </a:pPr>
+            <a:r>
+              <a:rPr lang="en-US" sz="2000" dirty="0"/>
+              <a:t>	-	AdaBoost</a:t>
+            </a:r>
           </a:p>
         </p:txBody>
       </p:sp>
@@ -6523,7 +6523,7 @@
           <p:cNvPr id="4" name="Slide Number Placeholder 3">
             <a:extLst>
               <a:ext uri="{FF2B5EF4-FFF2-40B4-BE49-F238E27FC236}">
-                <a16:creationId xmlns:a16="http://schemas.microsoft.com/office/drawing/2014/main" id="{B093ECB9-C5AA-164A-AE1A-36AF4040EB24}"/>
+                <a16:creationId xmlns:a16="http://schemas.microsoft.com/office/drawing/2014/main" id="{7DBBA56B-A2BF-2743-9BE1-116F9664F31C}"/>
               </a:ext>
             </a:extLst>
           </p:cNvPr>
@@ -6550,7 +6550,7 @@
     </p:spTree>
     <p:extLst>
       <p:ext uri="{BB962C8B-B14F-4D97-AF65-F5344CB8AC3E}">
-        <p14:creationId xmlns:p14="http://schemas.microsoft.com/office/powerpoint/2010/main" val="4194515202"/>
+        <p14:creationId xmlns:p14="http://schemas.microsoft.com/office/powerpoint/2010/main" val="3089325319"/>
       </p:ext>
     </p:extLst>
   </p:cSld>
@@ -11244,13 +11244,42 @@
           </a:p>
         </p:txBody>
       </p:sp>
+      <p:sp>
+        <p:nvSpPr>
+          <p:cNvPr id="5" name="Slide Number Placeholder 4">
+            <a:extLst>
+              <a:ext uri="{FF2B5EF4-FFF2-40B4-BE49-F238E27FC236}">
+                <a16:creationId xmlns:a16="http://schemas.microsoft.com/office/drawing/2014/main" id="{C370B99B-65E7-934B-9B29-70E2A3739A62}"/>
+              </a:ext>
+            </a:extLst>
+          </p:cNvPr>
+          <p:cNvSpPr>
+            <a:spLocks noGrp="1"/>
+          </p:cNvSpPr>
+          <p:nvPr>
+            <p:ph type="sldNum" sz="quarter" idx="12"/>
+          </p:nvPr>
+        </p:nvSpPr>
+        <p:spPr/>
+        <p:txBody>
+          <a:bodyPr/>
+          <a:lstStyle/>
+          <a:p>
+            <a:fld id="{B2DC25EE-239B-4C5F-AAD1-255A7D5F1EE2}" type="slidenum">
+              <a:rPr lang="en-US" smtClean="0"/>
+              <a:t>25</a:t>
+            </a:fld>
+            <a:endParaRPr lang="en-US"/>
+          </a:p>
+        </p:txBody>
+      </p:sp>
       <p:pic>
         <p:nvPicPr>
-          <p:cNvPr id="4" name="NLP.mp4" descr="NLP.mp4">
+          <p:cNvPr id="7" name="NLP Video final.mp4" descr="NLP Video final.mp4">
             <a:hlinkClick r:id="" action="ppaction://media"/>
             <a:extLst>
               <a:ext uri="{FF2B5EF4-FFF2-40B4-BE49-F238E27FC236}">
-                <a16:creationId xmlns:a16="http://schemas.microsoft.com/office/drawing/2014/main" id="{FFE77348-1592-5C4D-8D3B-77B7690A454E}"/>
+                <a16:creationId xmlns:a16="http://schemas.microsoft.com/office/drawing/2014/main" id="{4FABA523-4FDC-F042-AA1E-DE2A0914BE90}"/>
               </a:ext>
             </a:extLst>
           </p:cNvPr>
@@ -11275,40 +11304,11 @@
         </p:blipFill>
         <p:spPr>
           <a:xfrm>
-            <a:off x="1639701" y="1555689"/>
-            <a:ext cx="9119862" cy="5129784"/>
+            <a:off x="1629520" y="1427672"/>
+            <a:ext cx="9654176" cy="5430328"/>
           </a:xfrm>
         </p:spPr>
       </p:pic>
-      <p:sp>
-        <p:nvSpPr>
-          <p:cNvPr id="5" name="Slide Number Placeholder 4">
-            <a:extLst>
-              <a:ext uri="{FF2B5EF4-FFF2-40B4-BE49-F238E27FC236}">
-                <a16:creationId xmlns:a16="http://schemas.microsoft.com/office/drawing/2014/main" id="{C370B99B-65E7-934B-9B29-70E2A3739A62}"/>
-              </a:ext>
-            </a:extLst>
-          </p:cNvPr>
-          <p:cNvSpPr>
-            <a:spLocks noGrp="1"/>
-          </p:cNvSpPr>
-          <p:nvPr>
-            <p:ph type="sldNum" sz="quarter" idx="12"/>
-          </p:nvPr>
-        </p:nvSpPr>
-        <p:spPr/>
-        <p:txBody>
-          <a:bodyPr/>
-          <a:lstStyle/>
-          <a:p>
-            <a:fld id="{B2DC25EE-239B-4C5F-AAD1-255A7D5F1EE2}" type="slidenum">
-              <a:rPr lang="en-US" smtClean="0"/>
-              <a:t>25</a:t>
-            </a:fld>
-            <a:endParaRPr lang="en-US"/>
-          </a:p>
-        </p:txBody>
-      </p:sp>
     </p:spTree>
     <p:extLst>
       <p:ext uri="{BB962C8B-B14F-4D97-AF65-F5344CB8AC3E}">
@@ -11347,9 +11347,9 @@
                                   <p:childTnLst>
                                     <p:cmd type="call" cmd="playFrom(0.0)">
                                       <p:cBhvr>
-                                        <p:cTn id="6" dur="42300" fill="hold"/>
+                                        <p:cTn id="6" dur="65167" fill="hold"/>
                                         <p:tgtEl>
-                                          <p:spTgt spid="4"/>
+                                          <p:spTgt spid="7"/>
                                         </p:tgtEl>
                                       </p:cBhvr>
                                     </p:cmd>
@@ -11387,7 +11387,7 @@
                   </p:stCondLst>
                 </p:cTn>
                 <p:tgtEl>
-                  <p:spTgt spid="4"/>
+                  <p:spTgt spid="7"/>
                 </p:tgtEl>
               </p:cMediaNode>
             </p:video>
@@ -11396,7 +11396,7 @@
                 <p:stCondLst>
                   <p:cond evt="onClick" delay="0">
                     <p:tgtEl>
-                      <p:spTgt spid="4"/>
+                      <p:spTgt spid="7"/>
                     </p:tgtEl>
                   </p:cond>
                 </p:stCondLst>
@@ -11426,7 +11426,7 @@
                                       <p:cBhvr>
                                         <p:cTn id="12" dur="1" fill="hold"/>
                                         <p:tgtEl>
-                                          <p:spTgt spid="4"/>
+                                          <p:spTgt spid="7"/>
                                         </p:tgtEl>
                                       </p:cBhvr>
                                     </p:cmd>
@@ -11444,7 +11444,7 @@
               <p:nextCondLst>
                 <p:cond evt="onClick" delay="0">
                   <p:tgtEl>
-                    <p:spTgt spid="4"/>
+                    <p:spTgt spid="7"/>
                   </p:tgtEl>
                 </p:cond>
               </p:nextCondLst>
@@ -12381,6 +12381,12 @@
             <a:r>
               <a:rPr lang="en-US" dirty="0"/>
               <a:t>Feature Engineering</a:t>
+            </a:r>
+          </a:p>
+          <a:p>
+            <a:r>
+              <a:rPr lang="en-US" dirty="0"/>
+              <a:t>Run Machine Learning Algorithms</a:t>
             </a:r>
           </a:p>
         </p:txBody>
